--- a/trunk/slides/lec2-3-crtp.pptx
+++ b/trunk/slides/lec2-3-crtp.pptx
@@ -193,7 +193,7 @@
           <a:noFill/>
           <a:extLst>
             <a:ext uri="{909E8E84-426E-40dd-AFC4-6F175D3DCCD1}">
-              <a14:hiddenFill xmlns:a14="http://schemas.microsoft.com/office/drawing/2010/main" xmlns="">
+              <a14:hiddenFill xmlns="" xmlns:a14="http://schemas.microsoft.com/office/drawing/2010/main">
                 <a:solidFill>
                   <a:srgbClr val="FFFFFF"/>
                 </a:solidFill>
@@ -252,7 +252,7 @@
             </a:ln>
             <a:extLst>
               <a:ext uri="{91240B29-F687-4f45-9708-019B960494DF}">
-                <a14:hiddenLine xmlns:a14="http://schemas.microsoft.com/office/drawing/2010/main" xmlns="" w="9525">
+                <a14:hiddenLine xmlns="" xmlns:a14="http://schemas.microsoft.com/office/drawing/2010/main" w="9525">
                   <a:solidFill>
                     <a:srgbClr val="000000"/>
                   </a:solidFill>
@@ -342,7 +342,7 @@
             </a:ln>
             <a:extLst>
               <a:ext uri="{91240B29-F687-4f45-9708-019B960494DF}">
-                <a14:hiddenLine xmlns:a14="http://schemas.microsoft.com/office/drawing/2010/main" xmlns="" w="9525">
+                <a14:hiddenLine xmlns="" xmlns:a14="http://schemas.microsoft.com/office/drawing/2010/main" w="9525">
                   <a:solidFill>
                     <a:srgbClr val="000000"/>
                   </a:solidFill>
@@ -432,7 +432,7 @@
             </a:ln>
             <a:extLst>
               <a:ext uri="{91240B29-F687-4f45-9708-019B960494DF}">
-                <a14:hiddenLine xmlns:a14="http://schemas.microsoft.com/office/drawing/2010/main" xmlns="" w="9525">
+                <a14:hiddenLine xmlns="" xmlns:a14="http://schemas.microsoft.com/office/drawing/2010/main" w="9525">
                   <a:solidFill>
                     <a:srgbClr val="000000"/>
                   </a:solidFill>
@@ -466,7 +466,7 @@
             </a:ln>
             <a:extLst>
               <a:ext uri="{91240B29-F687-4f45-9708-019B960494DF}">
-                <a14:hiddenLine xmlns:a14="http://schemas.microsoft.com/office/drawing/2010/main" xmlns="" w="9525">
+                <a14:hiddenLine xmlns="" xmlns:a14="http://schemas.microsoft.com/office/drawing/2010/main" w="9525">
                   <a:solidFill>
                     <a:srgbClr val="000000"/>
                   </a:solidFill>
@@ -556,7 +556,7 @@
             </a:ln>
             <a:extLst>
               <a:ext uri="{91240B29-F687-4f45-9708-019B960494DF}">
-                <a14:hiddenLine xmlns:a14="http://schemas.microsoft.com/office/drawing/2010/main" xmlns="" w="9525">
+                <a14:hiddenLine xmlns="" xmlns:a14="http://schemas.microsoft.com/office/drawing/2010/main" w="9525">
                   <a:solidFill>
                     <a:srgbClr val="000000"/>
                   </a:solidFill>
@@ -618,7 +618,7 @@
             </a:ln>
             <a:extLst>
               <a:ext uri="{91240B29-F687-4f45-9708-019B960494DF}">
-                <a14:hiddenLine xmlns:a14="http://schemas.microsoft.com/office/drawing/2010/main" xmlns="" w="9525">
+                <a14:hiddenLine xmlns="" xmlns:a14="http://schemas.microsoft.com/office/drawing/2010/main" w="9525">
                   <a:solidFill>
                     <a:srgbClr val="000000"/>
                   </a:solidFill>
@@ -680,7 +680,7 @@
             </a:ln>
             <a:extLst>
               <a:ext uri="{91240B29-F687-4f45-9708-019B960494DF}">
-                <a14:hiddenLine xmlns:a14="http://schemas.microsoft.com/office/drawing/2010/main" xmlns="" w="9525">
+                <a14:hiddenLine xmlns="" xmlns:a14="http://schemas.microsoft.com/office/drawing/2010/main" w="9525">
                   <a:solidFill>
                     <a:srgbClr val="000000"/>
                   </a:solidFill>
@@ -770,7 +770,7 @@
             </a:ln>
             <a:extLst>
               <a:ext uri="{91240B29-F687-4f45-9708-019B960494DF}">
-                <a14:hiddenLine xmlns:a14="http://schemas.microsoft.com/office/drawing/2010/main" xmlns="" w="9525">
+                <a14:hiddenLine xmlns="" xmlns:a14="http://schemas.microsoft.com/office/drawing/2010/main" w="9525">
                   <a:solidFill>
                     <a:srgbClr val="000000"/>
                   </a:solidFill>
@@ -832,7 +832,7 @@
             </a:ln>
             <a:extLst>
               <a:ext uri="{91240B29-F687-4f45-9708-019B960494DF}">
-                <a14:hiddenLine xmlns:a14="http://schemas.microsoft.com/office/drawing/2010/main" xmlns="" w="9525">
+                <a14:hiddenLine xmlns="" xmlns:a14="http://schemas.microsoft.com/office/drawing/2010/main" w="9525">
                   <a:solidFill>
                     <a:srgbClr val="000000"/>
                   </a:solidFill>
@@ -894,7 +894,7 @@
             </a:ln>
             <a:extLst>
               <a:ext uri="{91240B29-F687-4f45-9708-019B960494DF}">
-                <a14:hiddenLine xmlns:a14="http://schemas.microsoft.com/office/drawing/2010/main" xmlns="" w="9525">
+                <a14:hiddenLine xmlns="" xmlns:a14="http://schemas.microsoft.com/office/drawing/2010/main" w="9525">
                   <a:solidFill>
                     <a:srgbClr val="000000"/>
                   </a:solidFill>
@@ -984,7 +984,7 @@
             </a:ln>
             <a:extLst>
               <a:ext uri="{91240B29-F687-4f45-9708-019B960494DF}">
-                <a14:hiddenLine xmlns:a14="http://schemas.microsoft.com/office/drawing/2010/main" xmlns="" w="9525">
+                <a14:hiddenLine xmlns="" xmlns:a14="http://schemas.microsoft.com/office/drawing/2010/main" w="9525">
                   <a:solidFill>
                     <a:srgbClr val="000000"/>
                   </a:solidFill>
@@ -1074,7 +1074,7 @@
             </a:ln>
             <a:extLst>
               <a:ext uri="{91240B29-F687-4f45-9708-019B960494DF}">
-                <a14:hiddenLine xmlns:a14="http://schemas.microsoft.com/office/drawing/2010/main" xmlns="" w="9525">
+                <a14:hiddenLine xmlns="" xmlns:a14="http://schemas.microsoft.com/office/drawing/2010/main" w="9525">
                   <a:solidFill>
                     <a:srgbClr val="000000"/>
                   </a:solidFill>
@@ -1136,7 +1136,7 @@
             </a:ln>
             <a:extLst>
               <a:ext uri="{91240B29-F687-4f45-9708-019B960494DF}">
-                <a14:hiddenLine xmlns:a14="http://schemas.microsoft.com/office/drawing/2010/main" xmlns="" w="9525">
+                <a14:hiddenLine xmlns="" xmlns:a14="http://schemas.microsoft.com/office/drawing/2010/main" w="9525">
                   <a:solidFill>
                     <a:srgbClr val="000000"/>
                   </a:solidFill>
@@ -1246,7 +1246,7 @@
             </a:ln>
             <a:extLst>
               <a:ext uri="{91240B29-F687-4f45-9708-019B960494DF}">
-                <a14:hiddenLine xmlns:a14="http://schemas.microsoft.com/office/drawing/2010/main" xmlns="" w="9525">
+                <a14:hiddenLine xmlns="" xmlns:a14="http://schemas.microsoft.com/office/drawing/2010/main" w="9525">
                   <a:solidFill>
                     <a:srgbClr val="000000"/>
                   </a:solidFill>
@@ -1308,7 +1308,7 @@
             </a:ln>
             <a:extLst>
               <a:ext uri="{91240B29-F687-4f45-9708-019B960494DF}">
-                <a14:hiddenLine xmlns:a14="http://schemas.microsoft.com/office/drawing/2010/main" xmlns="" w="9525">
+                <a14:hiddenLine xmlns="" xmlns:a14="http://schemas.microsoft.com/office/drawing/2010/main" w="9525">
                   <a:solidFill>
                     <a:srgbClr val="000000"/>
                   </a:solidFill>
@@ -1398,7 +1398,7 @@
             </a:ln>
             <a:extLst>
               <a:ext uri="{91240B29-F687-4f45-9708-019B960494DF}">
-                <a14:hiddenLine xmlns:a14="http://schemas.microsoft.com/office/drawing/2010/main" xmlns="" w="9525">
+                <a14:hiddenLine xmlns="" xmlns:a14="http://schemas.microsoft.com/office/drawing/2010/main" w="9525">
                   <a:solidFill>
                     <a:srgbClr val="000000"/>
                   </a:solidFill>
@@ -1488,7 +1488,7 @@
             </a:ln>
             <a:extLst>
               <a:ext uri="{91240B29-F687-4f45-9708-019B960494DF}">
-                <a14:hiddenLine xmlns:a14="http://schemas.microsoft.com/office/drawing/2010/main" xmlns="" w="9525">
+                <a14:hiddenLine xmlns="" xmlns:a14="http://schemas.microsoft.com/office/drawing/2010/main" w="9525">
                   <a:solidFill>
                     <a:srgbClr val="000000"/>
                   </a:solidFill>
@@ -1550,7 +1550,7 @@
             </a:ln>
             <a:extLst>
               <a:ext uri="{91240B29-F687-4f45-9708-019B960494DF}">
-                <a14:hiddenLine xmlns:a14="http://schemas.microsoft.com/office/drawing/2010/main" xmlns="" w="9525">
+                <a14:hiddenLine xmlns="" xmlns:a14="http://schemas.microsoft.com/office/drawing/2010/main" w="9525">
                   <a:solidFill>
                     <a:srgbClr val="000000"/>
                   </a:solidFill>
@@ -1640,7 +1640,7 @@
             </a:ln>
             <a:extLst>
               <a:ext uri="{91240B29-F687-4f45-9708-019B960494DF}">
-                <a14:hiddenLine xmlns:a14="http://schemas.microsoft.com/office/drawing/2010/main" xmlns="" w="9525">
+                <a14:hiddenLine xmlns="" xmlns:a14="http://schemas.microsoft.com/office/drawing/2010/main" w="9525">
                   <a:solidFill>
                     <a:srgbClr val="000000"/>
                   </a:solidFill>
@@ -1730,7 +1730,7 @@
             </a:ln>
             <a:extLst>
               <a:ext uri="{91240B29-F687-4f45-9708-019B960494DF}">
-                <a14:hiddenLine xmlns:a14="http://schemas.microsoft.com/office/drawing/2010/main" xmlns="" w="9525">
+                <a14:hiddenLine xmlns="" xmlns:a14="http://schemas.microsoft.com/office/drawing/2010/main" w="9525">
                   <a:solidFill>
                     <a:srgbClr val="000000"/>
                   </a:solidFill>
@@ -1786,7 +1786,7 @@
             </a:ln>
             <a:extLst>
               <a:ext uri="{91240B29-F687-4f45-9708-019B960494DF}">
-                <a14:hiddenLine xmlns:a14="http://schemas.microsoft.com/office/drawing/2010/main" xmlns="" w="9525">
+                <a14:hiddenLine xmlns="" xmlns:a14="http://schemas.microsoft.com/office/drawing/2010/main" w="9525">
                   <a:solidFill>
                     <a:srgbClr val="000000"/>
                   </a:solidFill>
@@ -1876,7 +1876,7 @@
             </a:ln>
             <a:extLst>
               <a:ext uri="{91240B29-F687-4f45-9708-019B960494DF}">
-                <a14:hiddenLine xmlns:a14="http://schemas.microsoft.com/office/drawing/2010/main" xmlns="" w="9525">
+                <a14:hiddenLine xmlns="" xmlns:a14="http://schemas.microsoft.com/office/drawing/2010/main" w="9525">
                   <a:solidFill>
                     <a:srgbClr val="000000"/>
                   </a:solidFill>
@@ -1932,7 +1932,7 @@
             </a:ln>
             <a:extLst>
               <a:ext uri="{91240B29-F687-4f45-9708-019B960494DF}">
-                <a14:hiddenLine xmlns:a14="http://schemas.microsoft.com/office/drawing/2010/main" xmlns="" w="9525">
+                <a14:hiddenLine xmlns="" xmlns:a14="http://schemas.microsoft.com/office/drawing/2010/main" w="9525">
                   <a:solidFill>
                     <a:srgbClr val="000000"/>
                   </a:solidFill>
@@ -2022,7 +2022,7 @@
             </a:ln>
             <a:extLst>
               <a:ext uri="{91240B29-F687-4f45-9708-019B960494DF}">
-                <a14:hiddenLine xmlns:a14="http://schemas.microsoft.com/office/drawing/2010/main" xmlns="" w="9525">
+                <a14:hiddenLine xmlns="" xmlns:a14="http://schemas.microsoft.com/office/drawing/2010/main" w="9525">
                   <a:solidFill>
                     <a:srgbClr val="000000"/>
                   </a:solidFill>
@@ -2090,7 +2090,7 @@
             </a:ln>
             <a:extLst>
               <a:ext uri="{91240B29-F687-4f45-9708-019B960494DF}">
-                <a14:hiddenLine xmlns:a14="http://schemas.microsoft.com/office/drawing/2010/main" xmlns="" w="9525">
+                <a14:hiddenLine xmlns="" xmlns:a14="http://schemas.microsoft.com/office/drawing/2010/main" w="9525">
                   <a:solidFill>
                     <a:srgbClr val="000000"/>
                   </a:solidFill>
@@ -2180,7 +2180,7 @@
             </a:ln>
             <a:extLst>
               <a:ext uri="{91240B29-F687-4f45-9708-019B960494DF}">
-                <a14:hiddenLine xmlns:a14="http://schemas.microsoft.com/office/drawing/2010/main" xmlns="" w="9525">
+                <a14:hiddenLine xmlns="" xmlns:a14="http://schemas.microsoft.com/office/drawing/2010/main" w="9525">
                   <a:solidFill>
                     <a:srgbClr val="000000"/>
                   </a:solidFill>
@@ -2248,7 +2248,7 @@
             </a:ln>
             <a:extLst>
               <a:ext uri="{91240B29-F687-4f45-9708-019B960494DF}">
-                <a14:hiddenLine xmlns:a14="http://schemas.microsoft.com/office/drawing/2010/main" xmlns="" w="9525">
+                <a14:hiddenLine xmlns="" xmlns:a14="http://schemas.microsoft.com/office/drawing/2010/main" w="9525">
                   <a:solidFill>
                     <a:srgbClr val="000000"/>
                   </a:solidFill>
@@ -2338,7 +2338,7 @@
             </a:ln>
             <a:extLst>
               <a:ext uri="{91240B29-F687-4f45-9708-019B960494DF}">
-                <a14:hiddenLine xmlns:a14="http://schemas.microsoft.com/office/drawing/2010/main" xmlns="" w="9525">
+                <a14:hiddenLine xmlns="" xmlns:a14="http://schemas.microsoft.com/office/drawing/2010/main" w="9525">
                   <a:solidFill>
                     <a:srgbClr val="000000"/>
                   </a:solidFill>
@@ -2372,7 +2372,7 @@
             </a:ln>
             <a:extLst>
               <a:ext uri="{91240B29-F687-4f45-9708-019B960494DF}">
-                <a14:hiddenLine xmlns:a14="http://schemas.microsoft.com/office/drawing/2010/main" xmlns="" w="9525">
+                <a14:hiddenLine xmlns="" xmlns:a14="http://schemas.microsoft.com/office/drawing/2010/main" w="9525">
                   <a:solidFill>
                     <a:srgbClr val="000000"/>
                   </a:solidFill>
@@ -2462,7 +2462,7 @@
             </a:ln>
             <a:extLst>
               <a:ext uri="{91240B29-F687-4f45-9708-019B960494DF}">
-                <a14:hiddenLine xmlns:a14="http://schemas.microsoft.com/office/drawing/2010/main" xmlns="" w="9525">
+                <a14:hiddenLine xmlns="" xmlns:a14="http://schemas.microsoft.com/office/drawing/2010/main" w="9525">
                   <a:solidFill>
                     <a:srgbClr val="000000"/>
                   </a:solidFill>
@@ -2524,7 +2524,7 @@
             </a:ln>
             <a:extLst>
               <a:ext uri="{91240B29-F687-4f45-9708-019B960494DF}">
-                <a14:hiddenLine xmlns:a14="http://schemas.microsoft.com/office/drawing/2010/main" xmlns="" w="9525">
+                <a14:hiddenLine xmlns="" xmlns:a14="http://schemas.microsoft.com/office/drawing/2010/main" w="9525">
                   <a:solidFill>
                     <a:srgbClr val="000000"/>
                   </a:solidFill>
@@ -2586,7 +2586,7 @@
             </a:ln>
             <a:extLst>
               <a:ext uri="{91240B29-F687-4f45-9708-019B960494DF}">
-                <a14:hiddenLine xmlns:a14="http://schemas.microsoft.com/office/drawing/2010/main" xmlns="" w="9525">
+                <a14:hiddenLine xmlns="" xmlns:a14="http://schemas.microsoft.com/office/drawing/2010/main" w="9525">
                   <a:solidFill>
                     <a:srgbClr val="000000"/>
                   </a:solidFill>
@@ -2676,7 +2676,7 @@
             </a:ln>
             <a:extLst>
               <a:ext uri="{91240B29-F687-4f45-9708-019B960494DF}">
-                <a14:hiddenLine xmlns:a14="http://schemas.microsoft.com/office/drawing/2010/main" xmlns="" w="9525">
+                <a14:hiddenLine xmlns="" xmlns:a14="http://schemas.microsoft.com/office/drawing/2010/main" w="9525">
                   <a:solidFill>
                     <a:srgbClr val="000000"/>
                   </a:solidFill>
@@ -2744,7 +2744,7 @@
             </a:ln>
             <a:extLst>
               <a:ext uri="{91240B29-F687-4f45-9708-019B960494DF}">
-                <a14:hiddenLine xmlns:a14="http://schemas.microsoft.com/office/drawing/2010/main" xmlns="" w="9525">
+                <a14:hiddenLine xmlns="" xmlns:a14="http://schemas.microsoft.com/office/drawing/2010/main" w="9525">
                   <a:solidFill>
                     <a:srgbClr val="000000"/>
                   </a:solidFill>
@@ -2806,7 +2806,7 @@
             </a:ln>
             <a:extLst>
               <a:ext uri="{91240B29-F687-4f45-9708-019B960494DF}">
-                <a14:hiddenLine xmlns:a14="http://schemas.microsoft.com/office/drawing/2010/main" xmlns="" w="9525">
+                <a14:hiddenLine xmlns="" xmlns:a14="http://schemas.microsoft.com/office/drawing/2010/main" w="9525">
                   <a:solidFill>
                     <a:srgbClr val="000000"/>
                   </a:solidFill>
@@ -2896,7 +2896,7 @@
             </a:ln>
             <a:extLst>
               <a:ext uri="{91240B29-F687-4f45-9708-019B960494DF}">
-                <a14:hiddenLine xmlns:a14="http://schemas.microsoft.com/office/drawing/2010/main" xmlns="" w="9525">
+                <a14:hiddenLine xmlns="" xmlns:a14="http://schemas.microsoft.com/office/drawing/2010/main" w="9525">
                   <a:solidFill>
                     <a:srgbClr val="000000"/>
                   </a:solidFill>
@@ -2958,7 +2958,7 @@
             </a:ln>
             <a:extLst>
               <a:ext uri="{91240B29-F687-4f45-9708-019B960494DF}">
-                <a14:hiddenLine xmlns:a14="http://schemas.microsoft.com/office/drawing/2010/main" xmlns="" w="9525">
+                <a14:hiddenLine xmlns="" xmlns:a14="http://schemas.microsoft.com/office/drawing/2010/main" w="9525">
                   <a:solidFill>
                     <a:srgbClr val="000000"/>
                   </a:solidFill>
@@ -3048,7 +3048,7 @@
             </a:ln>
             <a:extLst>
               <a:ext uri="{91240B29-F687-4f45-9708-019B960494DF}">
-                <a14:hiddenLine xmlns:a14="http://schemas.microsoft.com/office/drawing/2010/main" xmlns="" w="9525">
+                <a14:hiddenLine xmlns="" xmlns:a14="http://schemas.microsoft.com/office/drawing/2010/main" w="9525">
                   <a:solidFill>
                     <a:srgbClr val="000000"/>
                   </a:solidFill>
@@ -3110,7 +3110,7 @@
             </a:ln>
             <a:extLst>
               <a:ext uri="{91240B29-F687-4f45-9708-019B960494DF}">
-                <a14:hiddenLine xmlns:a14="http://schemas.microsoft.com/office/drawing/2010/main" xmlns="" w="9525">
+                <a14:hiddenLine xmlns="" xmlns:a14="http://schemas.microsoft.com/office/drawing/2010/main" w="9525">
                   <a:solidFill>
                     <a:srgbClr val="000000"/>
                   </a:solidFill>
@@ -3200,7 +3200,7 @@
             </a:ln>
             <a:extLst>
               <a:ext uri="{91240B29-F687-4f45-9708-019B960494DF}">
-                <a14:hiddenLine xmlns:a14="http://schemas.microsoft.com/office/drawing/2010/main" xmlns="" w="9525">
+                <a14:hiddenLine xmlns="" xmlns:a14="http://schemas.microsoft.com/office/drawing/2010/main" w="9525">
                   <a:solidFill>
                     <a:srgbClr val="000000"/>
                   </a:solidFill>
@@ -3234,7 +3234,7 @@
             </a:ln>
             <a:extLst>
               <a:ext uri="{91240B29-F687-4f45-9708-019B960494DF}">
-                <a14:hiddenLine xmlns:a14="http://schemas.microsoft.com/office/drawing/2010/main" xmlns="" w="9525">
+                <a14:hiddenLine xmlns="" xmlns:a14="http://schemas.microsoft.com/office/drawing/2010/main" w="9525">
                   <a:solidFill>
                     <a:srgbClr val="000000"/>
                   </a:solidFill>
@@ -3299,7 +3299,7 @@
             </a:ln>
             <a:extLst>
               <a:ext uri="{91240B29-F687-4f45-9708-019B960494DF}">
-                <a14:hiddenLine xmlns:a14="http://schemas.microsoft.com/office/drawing/2010/main" xmlns="" w="9525">
+                <a14:hiddenLine xmlns="" xmlns:a14="http://schemas.microsoft.com/office/drawing/2010/main" w="9525">
                   <a:solidFill>
                     <a:srgbClr val="000000"/>
                   </a:solidFill>
@@ -3389,7 +3389,7 @@
             </a:ln>
             <a:extLst>
               <a:ext uri="{91240B29-F687-4f45-9708-019B960494DF}">
-                <a14:hiddenLine xmlns:a14="http://schemas.microsoft.com/office/drawing/2010/main" xmlns="" w="9525">
+                <a14:hiddenLine xmlns="" xmlns:a14="http://schemas.microsoft.com/office/drawing/2010/main" w="9525">
                   <a:solidFill>
                     <a:srgbClr val="000000"/>
                   </a:solidFill>
@@ -3451,7 +3451,7 @@
             </a:ln>
             <a:extLst>
               <a:ext uri="{91240B29-F687-4f45-9708-019B960494DF}">
-                <a14:hiddenLine xmlns:a14="http://schemas.microsoft.com/office/drawing/2010/main" xmlns="" w="9525">
+                <a14:hiddenLine xmlns="" xmlns:a14="http://schemas.microsoft.com/office/drawing/2010/main" w="9525">
                   <a:solidFill>
                     <a:srgbClr val="000000"/>
                   </a:solidFill>
@@ -3541,7 +3541,7 @@
             </a:ln>
             <a:extLst>
               <a:ext uri="{91240B29-F687-4f45-9708-019B960494DF}">
-                <a14:hiddenLine xmlns:a14="http://schemas.microsoft.com/office/drawing/2010/main" xmlns="" w="9525">
+                <a14:hiddenLine xmlns="" xmlns:a14="http://schemas.microsoft.com/office/drawing/2010/main" w="9525">
                   <a:solidFill>
                     <a:srgbClr val="000000"/>
                   </a:solidFill>
@@ -3631,7 +3631,7 @@
             </a:ln>
             <a:extLst>
               <a:ext uri="{91240B29-F687-4f45-9708-019B960494DF}">
-                <a14:hiddenLine xmlns:a14="http://schemas.microsoft.com/office/drawing/2010/main" xmlns="" w="9525">
+                <a14:hiddenLine xmlns="" xmlns:a14="http://schemas.microsoft.com/office/drawing/2010/main" w="9525">
                   <a:solidFill>
                     <a:srgbClr val="000000"/>
                   </a:solidFill>
@@ -3696,7 +3696,7 @@
             </a:ln>
             <a:extLst>
               <a:ext uri="{91240B29-F687-4f45-9708-019B960494DF}">
-                <a14:hiddenLine xmlns:a14="http://schemas.microsoft.com/office/drawing/2010/main" xmlns="" w="9525">
+                <a14:hiddenLine xmlns="" xmlns:a14="http://schemas.microsoft.com/office/drawing/2010/main" w="9525">
                   <a:solidFill>
                     <a:srgbClr val="000000"/>
                   </a:solidFill>
@@ -3758,7 +3758,7 @@
             </a:ln>
             <a:extLst>
               <a:ext uri="{91240B29-F687-4f45-9708-019B960494DF}">
-                <a14:hiddenLine xmlns:a14="http://schemas.microsoft.com/office/drawing/2010/main" xmlns="" w="9525">
+                <a14:hiddenLine xmlns="" xmlns:a14="http://schemas.microsoft.com/office/drawing/2010/main" w="9525">
                   <a:solidFill>
                     <a:srgbClr val="000000"/>
                   </a:solidFill>
@@ -3848,7 +3848,7 @@
             </a:ln>
             <a:extLst>
               <a:ext uri="{91240B29-F687-4f45-9708-019B960494DF}">
-                <a14:hiddenLine xmlns:a14="http://schemas.microsoft.com/office/drawing/2010/main" xmlns="" w="9525">
+                <a14:hiddenLine xmlns="" xmlns:a14="http://schemas.microsoft.com/office/drawing/2010/main" w="9525">
                   <a:solidFill>
                     <a:srgbClr val="000000"/>
                   </a:solidFill>
@@ -3938,7 +3938,7 @@
             </a:ln>
             <a:extLst>
               <a:ext uri="{91240B29-F687-4f45-9708-019B960494DF}">
-                <a14:hiddenLine xmlns:a14="http://schemas.microsoft.com/office/drawing/2010/main" xmlns="" w="9525">
+                <a14:hiddenLine xmlns="" xmlns:a14="http://schemas.microsoft.com/office/drawing/2010/main" w="9525">
                   <a:solidFill>
                     <a:srgbClr val="000000"/>
                   </a:solidFill>
@@ -4000,7 +4000,7 @@
             </a:ln>
             <a:extLst>
               <a:ext uri="{91240B29-F687-4f45-9708-019B960494DF}">
-                <a14:hiddenLine xmlns:a14="http://schemas.microsoft.com/office/drawing/2010/main" xmlns="" w="9525">
+                <a14:hiddenLine xmlns="" xmlns:a14="http://schemas.microsoft.com/office/drawing/2010/main" w="9525">
                   <a:solidFill>
                     <a:srgbClr val="000000"/>
                   </a:solidFill>
@@ -4120,7 +4120,7 @@
             </a:ln>
             <a:extLst>
               <a:ext uri="{91240B29-F687-4f45-9708-019B960494DF}">
-                <a14:hiddenLine xmlns:a14="http://schemas.microsoft.com/office/drawing/2010/main" xmlns="" w="9525">
+                <a14:hiddenLine xmlns="" xmlns:a14="http://schemas.microsoft.com/office/drawing/2010/main" w="9525">
                   <a:solidFill>
                     <a:srgbClr val="000000"/>
                   </a:solidFill>
@@ -4188,7 +4188,7 @@
             </a:ln>
             <a:extLst>
               <a:ext uri="{91240B29-F687-4f45-9708-019B960494DF}">
-                <a14:hiddenLine xmlns:a14="http://schemas.microsoft.com/office/drawing/2010/main" xmlns="" w="9525">
+                <a14:hiddenLine xmlns="" xmlns:a14="http://schemas.microsoft.com/office/drawing/2010/main" w="9525">
                   <a:solidFill>
                     <a:srgbClr val="000000"/>
                   </a:solidFill>
@@ -4278,7 +4278,7 @@
             </a:ln>
             <a:extLst>
               <a:ext uri="{91240B29-F687-4f45-9708-019B960494DF}">
-                <a14:hiddenLine xmlns:a14="http://schemas.microsoft.com/office/drawing/2010/main" xmlns="" w="9525">
+                <a14:hiddenLine xmlns="" xmlns:a14="http://schemas.microsoft.com/office/drawing/2010/main" w="9525">
                   <a:solidFill>
                     <a:srgbClr val="000000"/>
                   </a:solidFill>
@@ -4418,7 +4418,7 @@
           <a:p>
             <a:fld id="{48A87A34-81AB-432B-8DAE-1953F412C126}" type="datetimeFigureOut">
               <a:rPr lang="en-US" dirty="0"/>
-              <a:t>2/21/2017</a:t>
+              <a:t>4/10/2017</a:t>
             </a:fld>
             <a:endParaRPr lang="en-US" dirty="0"/>
           </a:p>
@@ -4680,7 +4680,7 @@
           <a:p>
             <a:fld id="{48A87A34-81AB-432B-8DAE-1953F412C126}" type="datetimeFigureOut">
               <a:rPr lang="en-US" dirty="0"/>
-              <a:t>2/21/2017</a:t>
+              <a:t>4/10/2017</a:t>
             </a:fld>
             <a:endParaRPr lang="en-US" dirty="0"/>
           </a:p>
@@ -4871,7 +4871,7 @@
           <a:p>
             <a:fld id="{48A87A34-81AB-432B-8DAE-1953F412C126}" type="datetimeFigureOut">
               <a:rPr lang="en-US" dirty="0"/>
-              <a:t>2/21/2017</a:t>
+              <a:t>4/10/2017</a:t>
             </a:fld>
             <a:endParaRPr lang="en-US" dirty="0"/>
           </a:p>
@@ -5129,7 +5129,7 @@
           <a:p>
             <a:fld id="{48A87A34-81AB-432B-8DAE-1953F412C126}" type="datetimeFigureOut">
               <a:rPr lang="en-US" dirty="0"/>
-              <a:t>2/21/2017</a:t>
+              <a:t>4/10/2017</a:t>
             </a:fld>
             <a:endParaRPr lang="en-US" dirty="0"/>
           </a:p>
@@ -5558,7 +5558,7 @@
           <a:p>
             <a:fld id="{48A87A34-81AB-432B-8DAE-1953F412C126}" type="datetimeFigureOut">
               <a:rPr lang="en-US" dirty="0"/>
-              <a:t>2/21/2017</a:t>
+              <a:t>4/10/2017</a:t>
             </a:fld>
             <a:endParaRPr lang="en-US" dirty="0"/>
           </a:p>
@@ -6099,7 +6099,7 @@
           <a:p>
             <a:fld id="{48A87A34-81AB-432B-8DAE-1953F412C126}" type="datetimeFigureOut">
               <a:rPr lang="en-US" dirty="0"/>
-              <a:t>2/21/2017</a:t>
+              <a:t>4/10/2017</a:t>
             </a:fld>
             <a:endParaRPr lang="en-US" dirty="0"/>
           </a:p>
@@ -6814,7 +6814,7 @@
           <a:p>
             <a:fld id="{48A87A34-81AB-432B-8DAE-1953F412C126}" type="datetimeFigureOut">
               <a:rPr lang="en-US" dirty="0"/>
-              <a:t>2/21/2017</a:t>
+              <a:t>4/10/2017</a:t>
             </a:fld>
             <a:endParaRPr lang="en-US" dirty="0"/>
           </a:p>
@@ -6979,7 +6979,7 @@
           <a:p>
             <a:fld id="{48A87A34-81AB-432B-8DAE-1953F412C126}" type="datetimeFigureOut">
               <a:rPr lang="en-US" dirty="0"/>
-              <a:t>2/21/2017</a:t>
+              <a:t>4/10/2017</a:t>
             </a:fld>
             <a:endParaRPr lang="en-US" dirty="0"/>
           </a:p>
@@ -7154,7 +7154,7 @@
           <a:p>
             <a:fld id="{48A87A34-81AB-432B-8DAE-1953F412C126}" type="datetimeFigureOut">
               <a:rPr lang="en-US" dirty="0"/>
-              <a:t>2/21/2017</a:t>
+              <a:t>4/10/2017</a:t>
             </a:fld>
             <a:endParaRPr lang="en-US" dirty="0"/>
           </a:p>
@@ -7319,7 +7319,7 @@
           <a:p>
             <a:fld id="{48A87A34-81AB-432B-8DAE-1953F412C126}" type="datetimeFigureOut">
               <a:rPr lang="en-US" dirty="0"/>
-              <a:t>2/21/2017</a:t>
+              <a:t>4/10/2017</a:t>
             </a:fld>
             <a:endParaRPr lang="en-US" dirty="0"/>
           </a:p>
@@ -7564,7 +7564,7 @@
           <a:p>
             <a:fld id="{48A87A34-81AB-432B-8DAE-1953F412C126}" type="datetimeFigureOut">
               <a:rPr lang="en-US" dirty="0"/>
-              <a:t>2/21/2017</a:t>
+              <a:t>4/10/2017</a:t>
             </a:fld>
             <a:endParaRPr lang="en-US" dirty="0"/>
           </a:p>
@@ -7791,7 +7791,7 @@
           <a:p>
             <a:fld id="{48A87A34-81AB-432B-8DAE-1953F412C126}" type="datetimeFigureOut">
               <a:rPr lang="en-US" dirty="0"/>
-              <a:t>2/21/2017</a:t>
+              <a:t>4/10/2017</a:t>
             </a:fld>
             <a:endParaRPr lang="en-US" dirty="0"/>
           </a:p>
@@ -8167,7 +8167,7 @@
           <a:p>
             <a:fld id="{48A87A34-81AB-432B-8DAE-1953F412C126}" type="datetimeFigureOut">
               <a:rPr lang="en-US" dirty="0"/>
-              <a:t>2/21/2017</a:t>
+              <a:t>4/10/2017</a:t>
             </a:fld>
             <a:endParaRPr lang="en-US" dirty="0"/>
           </a:p>
@@ -8280,7 +8280,7 @@
           <a:p>
             <a:fld id="{48A87A34-81AB-432B-8DAE-1953F412C126}" type="datetimeFigureOut">
               <a:rPr lang="en-US" dirty="0"/>
-              <a:t>2/21/2017</a:t>
+              <a:t>4/10/2017</a:t>
             </a:fld>
             <a:endParaRPr lang="en-US" dirty="0"/>
           </a:p>
@@ -8370,7 +8370,7 @@
           <a:p>
             <a:fld id="{48A87A34-81AB-432B-8DAE-1953F412C126}" type="datetimeFigureOut">
               <a:rPr lang="en-US" dirty="0"/>
-              <a:t>2/21/2017</a:t>
+              <a:t>4/10/2017</a:t>
             </a:fld>
             <a:endParaRPr lang="en-US" dirty="0"/>
           </a:p>
@@ -8614,7 +8614,7 @@
           <a:p>
             <a:fld id="{48A87A34-81AB-432B-8DAE-1953F412C126}" type="datetimeFigureOut">
               <a:rPr lang="en-US" dirty="0"/>
-              <a:t>2/21/2017</a:t>
+              <a:t>4/10/2017</a:t>
             </a:fld>
             <a:endParaRPr lang="en-US" dirty="0"/>
           </a:p>
@@ -8889,7 +8889,7 @@
           <a:p>
             <a:fld id="{48A87A34-81AB-432B-8DAE-1953F412C126}" type="datetimeFigureOut">
               <a:rPr lang="en-US" dirty="0"/>
-              <a:t>2/21/2017</a:t>
+              <a:t>4/10/2017</a:t>
             </a:fld>
             <a:endParaRPr lang="en-US" dirty="0"/>
           </a:p>
@@ -9007,7 +9007,7 @@
           <a:noFill/>
           <a:extLst>
             <a:ext uri="{909E8E84-426E-40dd-AFC4-6F175D3DCCD1}">
-              <a14:hiddenFill xmlns:a14="http://schemas.microsoft.com/office/drawing/2010/main" xmlns="">
+              <a14:hiddenFill xmlns="" xmlns:a14="http://schemas.microsoft.com/office/drawing/2010/main">
                 <a:solidFill>
                   <a:srgbClr val="FFFFFF"/>
                 </a:solidFill>
@@ -9081,7 +9081,7 @@
               </a:ln>
               <a:extLst>
                 <a:ext uri="{91240B29-F687-4f45-9708-019B960494DF}">
-                  <a14:hiddenLine xmlns:a14="http://schemas.microsoft.com/office/drawing/2010/main" xmlns="" w="9525">
+                  <a14:hiddenLine xmlns="" xmlns:a14="http://schemas.microsoft.com/office/drawing/2010/main" w="9525">
                     <a:solidFill>
                       <a:srgbClr val="000000"/>
                     </a:solidFill>
@@ -9171,7 +9171,7 @@
               </a:ln>
               <a:extLst>
                 <a:ext uri="{91240B29-F687-4f45-9708-019B960494DF}">
-                  <a14:hiddenLine xmlns:a14="http://schemas.microsoft.com/office/drawing/2010/main" xmlns="" w="9525">
+                  <a14:hiddenLine xmlns="" xmlns:a14="http://schemas.microsoft.com/office/drawing/2010/main" w="9525">
                     <a:solidFill>
                       <a:srgbClr val="000000"/>
                     </a:solidFill>
@@ -9261,7 +9261,7 @@
               </a:ln>
               <a:extLst>
                 <a:ext uri="{91240B29-F687-4f45-9708-019B960494DF}">
-                  <a14:hiddenLine xmlns:a14="http://schemas.microsoft.com/office/drawing/2010/main" xmlns="" w="9525">
+                  <a14:hiddenLine xmlns="" xmlns:a14="http://schemas.microsoft.com/office/drawing/2010/main" w="9525">
                     <a:solidFill>
                       <a:srgbClr val="000000"/>
                     </a:solidFill>
@@ -9323,7 +9323,7 @@
               </a:ln>
               <a:extLst>
                 <a:ext uri="{91240B29-F687-4f45-9708-019B960494DF}">
-                  <a14:hiddenLine xmlns:a14="http://schemas.microsoft.com/office/drawing/2010/main" xmlns="" w="9525">
+                  <a14:hiddenLine xmlns="" xmlns:a14="http://schemas.microsoft.com/office/drawing/2010/main" w="9525">
                     <a:solidFill>
                       <a:srgbClr val="000000"/>
                     </a:solidFill>
@@ -9413,7 +9413,7 @@
               </a:ln>
               <a:extLst>
                 <a:ext uri="{91240B29-F687-4f45-9708-019B960494DF}">
-                  <a14:hiddenLine xmlns:a14="http://schemas.microsoft.com/office/drawing/2010/main" xmlns="" w="9525">
+                  <a14:hiddenLine xmlns="" xmlns:a14="http://schemas.microsoft.com/office/drawing/2010/main" w="9525">
                     <a:solidFill>
                       <a:srgbClr val="000000"/>
                     </a:solidFill>
@@ -9475,7 +9475,7 @@
               </a:ln>
               <a:extLst>
                 <a:ext uri="{91240B29-F687-4f45-9708-019B960494DF}">
-                  <a14:hiddenLine xmlns:a14="http://schemas.microsoft.com/office/drawing/2010/main" xmlns="" w="9525">
+                  <a14:hiddenLine xmlns="" xmlns:a14="http://schemas.microsoft.com/office/drawing/2010/main" w="9525">
                     <a:solidFill>
                       <a:srgbClr val="000000"/>
                     </a:solidFill>
@@ -9537,7 +9537,7 @@
               </a:ln>
               <a:extLst>
                 <a:ext uri="{91240B29-F687-4f45-9708-019B960494DF}">
-                  <a14:hiddenLine xmlns:a14="http://schemas.microsoft.com/office/drawing/2010/main" xmlns="" w="9525">
+                  <a14:hiddenLine xmlns="" xmlns:a14="http://schemas.microsoft.com/office/drawing/2010/main" w="9525">
                     <a:solidFill>
                       <a:srgbClr val="000000"/>
                     </a:solidFill>
@@ -9627,7 +9627,7 @@
               </a:ln>
               <a:extLst>
                 <a:ext uri="{91240B29-F687-4f45-9708-019B960494DF}">
-                  <a14:hiddenLine xmlns:a14="http://schemas.microsoft.com/office/drawing/2010/main" xmlns="" w="9525">
+                  <a14:hiddenLine xmlns="" xmlns:a14="http://schemas.microsoft.com/office/drawing/2010/main" w="9525">
                     <a:solidFill>
                       <a:srgbClr val="000000"/>
                     </a:solidFill>
@@ -9717,7 +9717,7 @@
               </a:ln>
               <a:extLst>
                 <a:ext uri="{91240B29-F687-4f45-9708-019B960494DF}">
-                  <a14:hiddenLine xmlns:a14="http://schemas.microsoft.com/office/drawing/2010/main" xmlns="" w="9525">
+                  <a14:hiddenLine xmlns="" xmlns:a14="http://schemas.microsoft.com/office/drawing/2010/main" w="9525">
                     <a:solidFill>
                       <a:srgbClr val="000000"/>
                     </a:solidFill>
@@ -9779,7 +9779,7 @@
               </a:ln>
               <a:extLst>
                 <a:ext uri="{91240B29-F687-4f45-9708-019B960494DF}">
-                  <a14:hiddenLine xmlns:a14="http://schemas.microsoft.com/office/drawing/2010/main" xmlns="" w="9525">
+                  <a14:hiddenLine xmlns="" xmlns:a14="http://schemas.microsoft.com/office/drawing/2010/main" w="9525">
                     <a:solidFill>
                       <a:srgbClr val="000000"/>
                     </a:solidFill>
@@ -9889,7 +9889,7 @@
               </a:ln>
               <a:extLst>
                 <a:ext uri="{91240B29-F687-4f45-9708-019B960494DF}">
-                  <a14:hiddenLine xmlns:a14="http://schemas.microsoft.com/office/drawing/2010/main" xmlns="" w="9525">
+                  <a14:hiddenLine xmlns="" xmlns:a14="http://schemas.microsoft.com/office/drawing/2010/main" w="9525">
                     <a:solidFill>
                       <a:srgbClr val="000000"/>
                     </a:solidFill>
@@ -9973,7 +9973,7 @@
               </a:ln>
               <a:extLst>
                 <a:ext uri="{91240B29-F687-4f45-9708-019B960494DF}">
-                  <a14:hiddenLine xmlns:a14="http://schemas.microsoft.com/office/drawing/2010/main" xmlns="" w="9525">
+                  <a14:hiddenLine xmlns="" xmlns:a14="http://schemas.microsoft.com/office/drawing/2010/main" w="9525">
                     <a:solidFill>
                       <a:srgbClr val="000000"/>
                     </a:solidFill>
@@ -10035,7 +10035,7 @@
               </a:ln>
               <a:extLst>
                 <a:ext uri="{91240B29-F687-4f45-9708-019B960494DF}">
-                  <a14:hiddenLine xmlns:a14="http://schemas.microsoft.com/office/drawing/2010/main" xmlns="" w="9525">
+                  <a14:hiddenLine xmlns="" xmlns:a14="http://schemas.microsoft.com/office/drawing/2010/main" w="9525">
                     <a:solidFill>
                       <a:srgbClr val="000000"/>
                     </a:solidFill>
@@ -10097,7 +10097,7 @@
               </a:ln>
               <a:extLst>
                 <a:ext uri="{91240B29-F687-4f45-9708-019B960494DF}">
-                  <a14:hiddenLine xmlns:a14="http://schemas.microsoft.com/office/drawing/2010/main" xmlns="" w="9525">
+                  <a14:hiddenLine xmlns="" xmlns:a14="http://schemas.microsoft.com/office/drawing/2010/main" w="9525">
                     <a:solidFill>
                       <a:srgbClr val="000000"/>
                     </a:solidFill>
@@ -10187,7 +10187,7 @@
               </a:ln>
               <a:extLst>
                 <a:ext uri="{91240B29-F687-4f45-9708-019B960494DF}">
-                  <a14:hiddenLine xmlns:a14="http://schemas.microsoft.com/office/drawing/2010/main" xmlns="" w="9525">
+                  <a14:hiddenLine xmlns="" xmlns:a14="http://schemas.microsoft.com/office/drawing/2010/main" w="9525">
                     <a:solidFill>
                       <a:srgbClr val="000000"/>
                     </a:solidFill>
@@ -10221,7 +10221,7 @@
               </a:ln>
               <a:extLst>
                 <a:ext uri="{91240B29-F687-4f45-9708-019B960494DF}">
-                  <a14:hiddenLine xmlns:a14="http://schemas.microsoft.com/office/drawing/2010/main" xmlns="" w="9525">
+                  <a14:hiddenLine xmlns="" xmlns:a14="http://schemas.microsoft.com/office/drawing/2010/main" w="9525">
                     <a:solidFill>
                       <a:srgbClr val="000000"/>
                     </a:solidFill>
@@ -10286,7 +10286,7 @@
               </a:ln>
               <a:extLst>
                 <a:ext uri="{91240B29-F687-4f45-9708-019B960494DF}">
-                  <a14:hiddenLine xmlns:a14="http://schemas.microsoft.com/office/drawing/2010/main" xmlns="" w="9525">
+                  <a14:hiddenLine xmlns="" xmlns:a14="http://schemas.microsoft.com/office/drawing/2010/main" w="9525">
                     <a:solidFill>
                       <a:srgbClr val="000000"/>
                     </a:solidFill>
@@ -10376,7 +10376,7 @@
               </a:ln>
               <a:extLst>
                 <a:ext uri="{91240B29-F687-4f45-9708-019B960494DF}">
-                  <a14:hiddenLine xmlns:a14="http://schemas.microsoft.com/office/drawing/2010/main" xmlns="" w="9525">
+                  <a14:hiddenLine xmlns="" xmlns:a14="http://schemas.microsoft.com/office/drawing/2010/main" w="9525">
                     <a:solidFill>
                       <a:srgbClr val="000000"/>
                     </a:solidFill>
@@ -10438,7 +10438,7 @@
               </a:ln>
               <a:extLst>
                 <a:ext uri="{91240B29-F687-4f45-9708-019B960494DF}">
-                  <a14:hiddenLine xmlns:a14="http://schemas.microsoft.com/office/drawing/2010/main" xmlns="" w="9525">
+                  <a14:hiddenLine xmlns="" xmlns:a14="http://schemas.microsoft.com/office/drawing/2010/main" w="9525">
                     <a:solidFill>
                       <a:srgbClr val="000000"/>
                     </a:solidFill>
@@ -10528,7 +10528,7 @@
               </a:ln>
               <a:extLst>
                 <a:ext uri="{91240B29-F687-4f45-9708-019B960494DF}">
-                  <a14:hiddenLine xmlns:a14="http://schemas.microsoft.com/office/drawing/2010/main" xmlns="" w="9525">
+                  <a14:hiddenLine xmlns="" xmlns:a14="http://schemas.microsoft.com/office/drawing/2010/main" w="9525">
                     <a:solidFill>
                       <a:srgbClr val="000000"/>
                     </a:solidFill>
@@ -10593,7 +10593,7 @@
               </a:ln>
               <a:extLst>
                 <a:ext uri="{91240B29-F687-4f45-9708-019B960494DF}">
-                  <a14:hiddenLine xmlns:a14="http://schemas.microsoft.com/office/drawing/2010/main" xmlns="" w="9525">
+                  <a14:hiddenLine xmlns="" xmlns:a14="http://schemas.microsoft.com/office/drawing/2010/main" w="9525">
                     <a:solidFill>
                       <a:srgbClr val="000000"/>
                     </a:solidFill>
@@ -10655,7 +10655,7 @@
               </a:ln>
               <a:extLst>
                 <a:ext uri="{91240B29-F687-4f45-9708-019B960494DF}">
-                  <a14:hiddenLine xmlns:a14="http://schemas.microsoft.com/office/drawing/2010/main" xmlns="" w="9525">
+                  <a14:hiddenLine xmlns="" xmlns:a14="http://schemas.microsoft.com/office/drawing/2010/main" w="9525">
                     <a:solidFill>
                       <a:srgbClr val="000000"/>
                     </a:solidFill>
@@ -10745,7 +10745,7 @@
               </a:ln>
               <a:extLst>
                 <a:ext uri="{91240B29-F687-4f45-9708-019B960494DF}">
-                  <a14:hiddenLine xmlns:a14="http://schemas.microsoft.com/office/drawing/2010/main" xmlns="" w="9525">
+                  <a14:hiddenLine xmlns="" xmlns:a14="http://schemas.microsoft.com/office/drawing/2010/main" w="9525">
                     <a:solidFill>
                       <a:srgbClr val="000000"/>
                     </a:solidFill>
@@ -10835,7 +10835,7 @@
               </a:ln>
               <a:extLst>
                 <a:ext uri="{91240B29-F687-4f45-9708-019B960494DF}">
-                  <a14:hiddenLine xmlns:a14="http://schemas.microsoft.com/office/drawing/2010/main" xmlns="" w="9525">
+                  <a14:hiddenLine xmlns="" xmlns:a14="http://schemas.microsoft.com/office/drawing/2010/main" w="9525">
                     <a:solidFill>
                       <a:srgbClr val="000000"/>
                     </a:solidFill>
@@ -10900,7 +10900,7 @@
               </a:ln>
               <a:extLst>
                 <a:ext uri="{91240B29-F687-4f45-9708-019B960494DF}">
-                  <a14:hiddenLine xmlns:a14="http://schemas.microsoft.com/office/drawing/2010/main" xmlns="" w="9525">
+                  <a14:hiddenLine xmlns="" xmlns:a14="http://schemas.microsoft.com/office/drawing/2010/main" w="9525">
                     <a:solidFill>
                       <a:srgbClr val="000000"/>
                     </a:solidFill>
@@ -11020,7 +11020,7 @@
               </a:ln>
               <a:extLst>
                 <a:ext uri="{91240B29-F687-4f45-9708-019B960494DF}">
-                  <a14:hiddenLine xmlns:a14="http://schemas.microsoft.com/office/drawing/2010/main" xmlns="" w="9525">
+                  <a14:hiddenLine xmlns="" xmlns:a14="http://schemas.microsoft.com/office/drawing/2010/main" w="9525">
                     <a:solidFill>
                       <a:srgbClr val="000000"/>
                     </a:solidFill>
@@ -11101,7 +11101,7 @@
               </a:ln>
               <a:extLst>
                 <a:ext uri="{91240B29-F687-4f45-9708-019B960494DF}">
-                  <a14:hiddenLine xmlns:a14="http://schemas.microsoft.com/office/drawing/2010/main" xmlns="" w="9525">
+                  <a14:hiddenLine xmlns="" xmlns:a14="http://schemas.microsoft.com/office/drawing/2010/main" w="9525">
                     <a:solidFill>
                       <a:srgbClr val="000000"/>
                     </a:solidFill>
@@ -11216,7 +11216,7 @@
               </a:ln>
               <a:extLst>
                 <a:ext uri="{91240B29-F687-4f45-9708-019B960494DF}">
-                  <a14:hiddenLine xmlns:a14="http://schemas.microsoft.com/office/drawing/2010/main" xmlns="" w="9525">
+                  <a14:hiddenLine xmlns="" xmlns:a14="http://schemas.microsoft.com/office/drawing/2010/main" w="9525">
                     <a:solidFill>
                       <a:srgbClr val="000000"/>
                     </a:solidFill>
@@ -11306,7 +11306,7 @@
               </a:ln>
               <a:extLst>
                 <a:ext uri="{91240B29-F687-4f45-9708-019B960494DF}">
-                  <a14:hiddenLine xmlns:a14="http://schemas.microsoft.com/office/drawing/2010/main" xmlns="" w="9525">
+                  <a14:hiddenLine xmlns="" xmlns:a14="http://schemas.microsoft.com/office/drawing/2010/main" w="9525">
                     <a:solidFill>
                       <a:srgbClr val="000000"/>
                     </a:solidFill>
@@ -11371,7 +11371,7 @@
               </a:ln>
               <a:extLst>
                 <a:ext uri="{91240B29-F687-4f45-9708-019B960494DF}">
-                  <a14:hiddenLine xmlns:a14="http://schemas.microsoft.com/office/drawing/2010/main" xmlns="" w="9525">
+                  <a14:hiddenLine xmlns="" xmlns:a14="http://schemas.microsoft.com/office/drawing/2010/main" w="9525">
                     <a:solidFill>
                       <a:srgbClr val="000000"/>
                     </a:solidFill>
@@ -11461,7 +11461,7 @@
               </a:ln>
               <a:extLst>
                 <a:ext uri="{91240B29-F687-4f45-9708-019B960494DF}">
-                  <a14:hiddenLine xmlns:a14="http://schemas.microsoft.com/office/drawing/2010/main" xmlns="" w="9525">
+                  <a14:hiddenLine xmlns="" xmlns:a14="http://schemas.microsoft.com/office/drawing/2010/main" w="9525">
                     <a:solidFill>
                       <a:srgbClr val="000000"/>
                     </a:solidFill>
@@ -11529,7 +11529,7 @@
               </a:ln>
               <a:extLst>
                 <a:ext uri="{91240B29-F687-4f45-9708-019B960494DF}">
-                  <a14:hiddenLine xmlns:a14="http://schemas.microsoft.com/office/drawing/2010/main" xmlns="" w="9525">
+                  <a14:hiddenLine xmlns="" xmlns:a14="http://schemas.microsoft.com/office/drawing/2010/main" w="9525">
                     <a:solidFill>
                       <a:srgbClr val="000000"/>
                     </a:solidFill>
@@ -11619,7 +11619,7 @@
               </a:ln>
               <a:extLst>
                 <a:ext uri="{91240B29-F687-4f45-9708-019B960494DF}">
-                  <a14:hiddenLine xmlns:a14="http://schemas.microsoft.com/office/drawing/2010/main" xmlns="" w="9525">
+                  <a14:hiddenLine xmlns="" xmlns:a14="http://schemas.microsoft.com/office/drawing/2010/main" w="9525">
                     <a:solidFill>
                       <a:srgbClr val="000000"/>
                     </a:solidFill>
@@ -11687,7 +11687,7 @@
               </a:ln>
               <a:extLst>
                 <a:ext uri="{91240B29-F687-4f45-9708-019B960494DF}">
-                  <a14:hiddenLine xmlns:a14="http://schemas.microsoft.com/office/drawing/2010/main" xmlns="" w="9525">
+                  <a14:hiddenLine xmlns="" xmlns:a14="http://schemas.microsoft.com/office/drawing/2010/main" w="9525">
                     <a:solidFill>
                       <a:srgbClr val="000000"/>
                     </a:solidFill>
@@ -11777,7 +11777,7 @@
               </a:ln>
               <a:extLst>
                 <a:ext uri="{91240B29-F687-4f45-9708-019B960494DF}">
-                  <a14:hiddenLine xmlns:a14="http://schemas.microsoft.com/office/drawing/2010/main" xmlns="" w="9525">
+                  <a14:hiddenLine xmlns="" xmlns:a14="http://schemas.microsoft.com/office/drawing/2010/main" w="9525">
                     <a:solidFill>
                       <a:srgbClr val="000000"/>
                     </a:solidFill>
@@ -11811,7 +11811,7 @@
               </a:ln>
               <a:extLst>
                 <a:ext uri="{91240B29-F687-4f45-9708-019B960494DF}">
-                  <a14:hiddenLine xmlns:a14="http://schemas.microsoft.com/office/drawing/2010/main" xmlns="" w="9525">
+                  <a14:hiddenLine xmlns="" xmlns:a14="http://schemas.microsoft.com/office/drawing/2010/main" w="9525">
                     <a:solidFill>
                       <a:srgbClr val="000000"/>
                     </a:solidFill>
@@ -11952,7 +11952,7 @@
             <a:fld id="{48A87A34-81AB-432B-8DAE-1953F412C126}" type="datetimeFigureOut">
               <a:rPr lang="en-US" dirty="0"/>
               <a:pPr/>
-              <a:t>2/21/2017</a:t>
+              <a:t>4/10/2017</a:t>
             </a:fld>
             <a:endParaRPr lang="en-US" dirty="0"/>
           </a:p>
@@ -12691,11 +12691,7 @@
             </a:pPr>
             <a:r>
               <a:rPr lang="ru-RU" sz="3600" dirty="0" smtClean="0"/>
-              <a:t>Шаблоны </a:t>
-            </a:r>
-            <a:r>
-              <a:rPr lang="ru-RU" sz="3600" dirty="0" smtClean="0"/>
-              <a:t>против ООП</a:t>
+              <a:t>Шаблоны против ООП</a:t>
             </a:r>
           </a:p>
           <a:p>
@@ -12762,10 +12758,10 @@
           <a:lstStyle/>
           <a:p>
             <a:r>
-              <a:rPr lang="en-US" b="1" dirty="0" smtClean="0"/>
+              <a:rPr lang="en-US" sz="4800" dirty="0" smtClean="0"/>
               <a:t>CRTP</a:t>
             </a:r>
-            <a:endParaRPr lang="en-US" dirty="0"/>
+            <a:endParaRPr lang="en-US" sz="4800" dirty="0"/>
           </a:p>
         </p:txBody>
       </p:sp>
@@ -12828,6 +12824,7 @@
                 <a:solidFill>
                   <a:srgbClr val="FFFF00"/>
                 </a:solidFill>
+                <a:latin typeface="Consolas" panose="020B0609020204030204" pitchFamily="49" charset="0"/>
               </a:rPr>
               <a:t>template &lt;class T&gt; class Base ....</a:t>
             </a:r>
@@ -12841,6 +12838,7 @@
                 <a:solidFill>
                   <a:srgbClr val="FFFF00"/>
                 </a:solidFill>
+                <a:latin typeface="Consolas" panose="020B0609020204030204" pitchFamily="49" charset="0"/>
               </a:rPr>
               <a:t>class Derived : public Base &lt;Derived</a:t>
             </a:r>
@@ -12849,6 +12847,7 @@
                 <a:solidFill>
                   <a:srgbClr val="FFFF00"/>
                 </a:solidFill>
+                <a:latin typeface="Consolas" panose="020B0609020204030204" pitchFamily="49" charset="0"/>
               </a:rPr>
               <a:t>&gt; </a:t>
             </a:r>
@@ -12857,6 +12856,7 @@
                 <a:solidFill>
                   <a:srgbClr val="FFFF00"/>
                 </a:solidFill>
+                <a:latin typeface="Consolas" panose="020B0609020204030204" pitchFamily="49" charset="0"/>
               </a:rPr>
               <a:t>....</a:t>
             </a:r>
@@ -12864,6 +12864,7 @@
               <a:solidFill>
                 <a:srgbClr val="FFFF00"/>
               </a:solidFill>
+              <a:latin typeface="Consolas" panose="020B0609020204030204" pitchFamily="49" charset="0"/>
             </a:endParaRPr>
           </a:p>
         </p:txBody>
@@ -12916,14 +12917,14 @@
           <a:lstStyle/>
           <a:p>
             <a:r>
-              <a:rPr lang="ru-RU" b="1" dirty="0" smtClean="0"/>
+              <a:rPr lang="ru-RU" sz="4000" dirty="0" smtClean="0"/>
               <a:t>Применимость </a:t>
             </a:r>
             <a:r>
-              <a:rPr lang="en-US" b="1" dirty="0" smtClean="0"/>
+              <a:rPr lang="en-US" sz="4000" dirty="0" smtClean="0"/>
               <a:t>CRTP</a:t>
             </a:r>
-            <a:endParaRPr lang="en-US" dirty="0"/>
+            <a:endParaRPr lang="en-US" sz="4000" dirty="0"/>
           </a:p>
         </p:txBody>
       </p:sp>
@@ -15956,11 +15957,7 @@
             </a:pPr>
             <a:r>
               <a:rPr lang="ru-RU" sz="3600" dirty="0" smtClean="0"/>
-              <a:t>Шаблоны </a:t>
-            </a:r>
-            <a:r>
-              <a:rPr lang="ru-RU" sz="3600" dirty="0" smtClean="0"/>
-              <a:t>против ООП</a:t>
+              <a:t>Шаблоны против ООП</a:t>
             </a:r>
           </a:p>
           <a:p>
